--- a/Slides/AB_OLS_QCBTrialWorkshop_Final.pptx
+++ b/Slides/AB_OLS_QCBTrialWorkshop_Final.pptx
@@ -4,6 +4,9 @@
   <p:sldMasterIdLst>
     <p:sldMasterId id="2147483660" r:id="rId1"/>
   </p:sldMasterIdLst>
+  <p:notesMasterIdLst>
+    <p:notesMasterId r:id="rId9"/>
+  </p:notesMasterIdLst>
   <p:sldIdLst>
     <p:sldId id="256" r:id="rId2"/>
     <p:sldId id="257" r:id="rId3"/>
@@ -118,6 +121,1004 @@
 </p:presentation>
 </file>
 
+<file path=ppt/notesMasters/notesMaster1.xml><?xml version="1.0" encoding="utf-8"?>
+<p:notesMaster xmlns:a="http://schemas.openxmlformats.org/drawingml/2006/main" xmlns:r="http://schemas.openxmlformats.org/officeDocument/2006/relationships" xmlns:p="http://schemas.openxmlformats.org/presentationml/2006/main">
+  <p:cSld>
+    <p:bg>
+      <p:bgRef idx="1001">
+        <a:schemeClr val="bg1"/>
+      </p:bgRef>
+    </p:bg>
+    <p:spTree>
+      <p:nvGrpSpPr>
+        <p:cNvPr id="1" name=""/>
+        <p:cNvGrpSpPr/>
+        <p:nvPr/>
+      </p:nvGrpSpPr>
+      <p:grpSpPr>
+        <a:xfrm>
+          <a:off x="0" y="0"/>
+          <a:ext cx="0" cy="0"/>
+          <a:chOff x="0" y="0"/>
+          <a:chExt cx="0" cy="0"/>
+        </a:xfrm>
+      </p:grpSpPr>
+      <p:sp>
+        <p:nvSpPr>
+          <p:cNvPr id="2" name="Header Placeholder 1"/>
+          <p:cNvSpPr>
+            <a:spLocks noGrp="1"/>
+          </p:cNvSpPr>
+          <p:nvPr>
+            <p:ph type="hdr" sz="quarter"/>
+          </p:nvPr>
+        </p:nvSpPr>
+        <p:spPr>
+          <a:xfrm>
+            <a:off x="0" y="0"/>
+            <a:ext cx="2971800" cy="458788"/>
+          </a:xfrm>
+          <a:prstGeom prst="rect">
+            <a:avLst/>
+          </a:prstGeom>
+        </p:spPr>
+        <p:txBody>
+          <a:bodyPr vert="horz" lIns="91440" tIns="45720" rIns="91440" bIns="45720" rtlCol="0"/>
+          <a:lstStyle>
+            <a:lvl1pPr algn="l">
+              <a:defRPr sz="1200"/>
+            </a:lvl1pPr>
+          </a:lstStyle>
+          <a:p>
+            <a:endParaRPr lang="en-US"/>
+          </a:p>
+        </p:txBody>
+      </p:sp>
+      <p:sp>
+        <p:nvSpPr>
+          <p:cNvPr id="3" name="Date Placeholder 2"/>
+          <p:cNvSpPr>
+            <a:spLocks noGrp="1"/>
+          </p:cNvSpPr>
+          <p:nvPr>
+            <p:ph type="dt" idx="1"/>
+          </p:nvPr>
+        </p:nvSpPr>
+        <p:spPr>
+          <a:xfrm>
+            <a:off x="3884613" y="0"/>
+            <a:ext cx="2971800" cy="458788"/>
+          </a:xfrm>
+          <a:prstGeom prst="rect">
+            <a:avLst/>
+          </a:prstGeom>
+        </p:spPr>
+        <p:txBody>
+          <a:bodyPr vert="horz" lIns="91440" tIns="45720" rIns="91440" bIns="45720" rtlCol="0"/>
+          <a:lstStyle>
+            <a:lvl1pPr algn="r">
+              <a:defRPr sz="1200"/>
+            </a:lvl1pPr>
+          </a:lstStyle>
+          <a:p>
+            <a:fld id="{8A70EB28-D3AD-45E9-BCAF-CC89ADDB72C4}" type="datetimeFigureOut">
+              <a:rPr lang="en-US" smtClean="0"/>
+              <a:t>6/14/2021</a:t>
+            </a:fld>
+            <a:endParaRPr lang="en-US"/>
+          </a:p>
+        </p:txBody>
+      </p:sp>
+      <p:sp>
+        <p:nvSpPr>
+          <p:cNvPr id="4" name="Slide Image Placeholder 3"/>
+          <p:cNvSpPr>
+            <a:spLocks noGrp="1" noRot="1" noChangeAspect="1"/>
+          </p:cNvSpPr>
+          <p:nvPr>
+            <p:ph type="sldImg" idx="2"/>
+          </p:nvPr>
+        </p:nvSpPr>
+        <p:spPr>
+          <a:xfrm>
+            <a:off x="685800" y="1143000"/>
+            <a:ext cx="5486400" cy="3086100"/>
+          </a:xfrm>
+          <a:prstGeom prst="rect">
+            <a:avLst/>
+          </a:prstGeom>
+          <a:noFill/>
+          <a:ln w="12700">
+            <a:solidFill>
+              <a:prstClr val="black"/>
+            </a:solidFill>
+          </a:ln>
+        </p:spPr>
+        <p:txBody>
+          <a:bodyPr vert="horz" lIns="91440" tIns="45720" rIns="91440" bIns="45720" rtlCol="0" anchor="ctr"/>
+          <a:lstStyle/>
+          <a:p>
+            <a:endParaRPr lang="en-US"/>
+          </a:p>
+        </p:txBody>
+      </p:sp>
+      <p:sp>
+        <p:nvSpPr>
+          <p:cNvPr id="5" name="Notes Placeholder 4"/>
+          <p:cNvSpPr>
+            <a:spLocks noGrp="1"/>
+          </p:cNvSpPr>
+          <p:nvPr>
+            <p:ph type="body" sz="quarter" idx="3"/>
+          </p:nvPr>
+        </p:nvSpPr>
+        <p:spPr>
+          <a:xfrm>
+            <a:off x="685800" y="4400550"/>
+            <a:ext cx="5486400" cy="3600450"/>
+          </a:xfrm>
+          <a:prstGeom prst="rect">
+            <a:avLst/>
+          </a:prstGeom>
+        </p:spPr>
+        <p:txBody>
+          <a:bodyPr vert="horz" lIns="91440" tIns="45720" rIns="91440" bIns="45720" rtlCol="0"/>
+          <a:lstStyle/>
+          <a:p>
+            <a:pPr lvl="0"/>
+            <a:r>
+              <a:rPr lang="en-US"/>
+              <a:t>Click to edit Master text styles</a:t>
+            </a:r>
+          </a:p>
+          <a:p>
+            <a:pPr lvl="1"/>
+            <a:r>
+              <a:rPr lang="en-US"/>
+              <a:t>Second level</a:t>
+            </a:r>
+          </a:p>
+          <a:p>
+            <a:pPr lvl="2"/>
+            <a:r>
+              <a:rPr lang="en-US"/>
+              <a:t>Third level</a:t>
+            </a:r>
+          </a:p>
+          <a:p>
+            <a:pPr lvl="3"/>
+            <a:r>
+              <a:rPr lang="en-US"/>
+              <a:t>Fourth level</a:t>
+            </a:r>
+          </a:p>
+          <a:p>
+            <a:pPr lvl="4"/>
+            <a:r>
+              <a:rPr lang="en-US"/>
+              <a:t>Fifth level</a:t>
+            </a:r>
+          </a:p>
+        </p:txBody>
+      </p:sp>
+      <p:sp>
+        <p:nvSpPr>
+          <p:cNvPr id="6" name="Footer Placeholder 5"/>
+          <p:cNvSpPr>
+            <a:spLocks noGrp="1"/>
+          </p:cNvSpPr>
+          <p:nvPr>
+            <p:ph type="ftr" sz="quarter" idx="4"/>
+          </p:nvPr>
+        </p:nvSpPr>
+        <p:spPr>
+          <a:xfrm>
+            <a:off x="0" y="8685213"/>
+            <a:ext cx="2971800" cy="458787"/>
+          </a:xfrm>
+          <a:prstGeom prst="rect">
+            <a:avLst/>
+          </a:prstGeom>
+        </p:spPr>
+        <p:txBody>
+          <a:bodyPr vert="horz" lIns="91440" tIns="45720" rIns="91440" bIns="45720" rtlCol="0" anchor="b"/>
+          <a:lstStyle>
+            <a:lvl1pPr algn="l">
+              <a:defRPr sz="1200"/>
+            </a:lvl1pPr>
+          </a:lstStyle>
+          <a:p>
+            <a:endParaRPr lang="en-US"/>
+          </a:p>
+        </p:txBody>
+      </p:sp>
+      <p:sp>
+        <p:nvSpPr>
+          <p:cNvPr id="7" name="Slide Number Placeholder 6"/>
+          <p:cNvSpPr>
+            <a:spLocks noGrp="1"/>
+          </p:cNvSpPr>
+          <p:nvPr>
+            <p:ph type="sldNum" sz="quarter" idx="5"/>
+          </p:nvPr>
+        </p:nvSpPr>
+        <p:spPr>
+          <a:xfrm>
+            <a:off x="3884613" y="8685213"/>
+            <a:ext cx="2971800" cy="458787"/>
+          </a:xfrm>
+          <a:prstGeom prst="rect">
+            <a:avLst/>
+          </a:prstGeom>
+        </p:spPr>
+        <p:txBody>
+          <a:bodyPr vert="horz" lIns="91440" tIns="45720" rIns="91440" bIns="45720" rtlCol="0" anchor="b"/>
+          <a:lstStyle>
+            <a:lvl1pPr algn="r">
+              <a:defRPr sz="1200"/>
+            </a:lvl1pPr>
+          </a:lstStyle>
+          <a:p>
+            <a:fld id="{2E3739CF-F99B-4384-9162-6373020FBA83}" type="slidenum">
+              <a:rPr lang="en-US" smtClean="0"/>
+              <a:t>‹#›</a:t>
+            </a:fld>
+            <a:endParaRPr lang="en-US"/>
+          </a:p>
+        </p:txBody>
+      </p:sp>
+    </p:spTree>
+    <p:extLst>
+      <p:ext uri="{BB962C8B-B14F-4D97-AF65-F5344CB8AC3E}">
+        <p14:creationId xmlns:p14="http://schemas.microsoft.com/office/powerpoint/2010/main" val="2006639544"/>
+      </p:ext>
+    </p:extLst>
+  </p:cSld>
+  <p:clrMap bg1="lt1" tx1="dk1" bg2="lt2" tx2="dk2" accent1="accent1" accent2="accent2" accent3="accent3" accent4="accent4" accent5="accent5" accent6="accent6" hlink="hlink" folHlink="folHlink"/>
+  <p:notesStyle>
+    <a:lvl1pPr marL="0" algn="l" defTabSz="914400" rtl="0" eaLnBrk="1" latinLnBrk="0" hangingPunct="1">
+      <a:defRPr sz="1200" kern="1200">
+        <a:solidFill>
+          <a:schemeClr val="tx1"/>
+        </a:solidFill>
+        <a:latin typeface="+mn-lt"/>
+        <a:ea typeface="+mn-ea"/>
+        <a:cs typeface="+mn-cs"/>
+      </a:defRPr>
+    </a:lvl1pPr>
+    <a:lvl2pPr marL="457200" algn="l" defTabSz="914400" rtl="0" eaLnBrk="1" latinLnBrk="0" hangingPunct="1">
+      <a:defRPr sz="1200" kern="1200">
+        <a:solidFill>
+          <a:schemeClr val="tx1"/>
+        </a:solidFill>
+        <a:latin typeface="+mn-lt"/>
+        <a:ea typeface="+mn-ea"/>
+        <a:cs typeface="+mn-cs"/>
+      </a:defRPr>
+    </a:lvl2pPr>
+    <a:lvl3pPr marL="914400" algn="l" defTabSz="914400" rtl="0" eaLnBrk="1" latinLnBrk="0" hangingPunct="1">
+      <a:defRPr sz="1200" kern="1200">
+        <a:solidFill>
+          <a:schemeClr val="tx1"/>
+        </a:solidFill>
+        <a:latin typeface="+mn-lt"/>
+        <a:ea typeface="+mn-ea"/>
+        <a:cs typeface="+mn-cs"/>
+      </a:defRPr>
+    </a:lvl3pPr>
+    <a:lvl4pPr marL="1371600" algn="l" defTabSz="914400" rtl="0" eaLnBrk="1" latinLnBrk="0" hangingPunct="1">
+      <a:defRPr sz="1200" kern="1200">
+        <a:solidFill>
+          <a:schemeClr val="tx1"/>
+        </a:solidFill>
+        <a:latin typeface="+mn-lt"/>
+        <a:ea typeface="+mn-ea"/>
+        <a:cs typeface="+mn-cs"/>
+      </a:defRPr>
+    </a:lvl4pPr>
+    <a:lvl5pPr marL="1828800" algn="l" defTabSz="914400" rtl="0" eaLnBrk="1" latinLnBrk="0" hangingPunct="1">
+      <a:defRPr sz="1200" kern="1200">
+        <a:solidFill>
+          <a:schemeClr val="tx1"/>
+        </a:solidFill>
+        <a:latin typeface="+mn-lt"/>
+        <a:ea typeface="+mn-ea"/>
+        <a:cs typeface="+mn-cs"/>
+      </a:defRPr>
+    </a:lvl5pPr>
+    <a:lvl6pPr marL="2286000" algn="l" defTabSz="914400" rtl="0" eaLnBrk="1" latinLnBrk="0" hangingPunct="1">
+      <a:defRPr sz="1200" kern="1200">
+        <a:solidFill>
+          <a:schemeClr val="tx1"/>
+        </a:solidFill>
+        <a:latin typeface="+mn-lt"/>
+        <a:ea typeface="+mn-ea"/>
+        <a:cs typeface="+mn-cs"/>
+      </a:defRPr>
+    </a:lvl6pPr>
+    <a:lvl7pPr marL="2743200" algn="l" defTabSz="914400" rtl="0" eaLnBrk="1" latinLnBrk="0" hangingPunct="1">
+      <a:defRPr sz="1200" kern="1200">
+        <a:solidFill>
+          <a:schemeClr val="tx1"/>
+        </a:solidFill>
+        <a:latin typeface="+mn-lt"/>
+        <a:ea typeface="+mn-ea"/>
+        <a:cs typeface="+mn-cs"/>
+      </a:defRPr>
+    </a:lvl7pPr>
+    <a:lvl8pPr marL="3200400" algn="l" defTabSz="914400" rtl="0" eaLnBrk="1" latinLnBrk="0" hangingPunct="1">
+      <a:defRPr sz="1200" kern="1200">
+        <a:solidFill>
+          <a:schemeClr val="tx1"/>
+        </a:solidFill>
+        <a:latin typeface="+mn-lt"/>
+        <a:ea typeface="+mn-ea"/>
+        <a:cs typeface="+mn-cs"/>
+      </a:defRPr>
+    </a:lvl8pPr>
+    <a:lvl9pPr marL="3657600" algn="l" defTabSz="914400" rtl="0" eaLnBrk="1" latinLnBrk="0" hangingPunct="1">
+      <a:defRPr sz="1200" kern="1200">
+        <a:solidFill>
+          <a:schemeClr val="tx1"/>
+        </a:solidFill>
+        <a:latin typeface="+mn-lt"/>
+        <a:ea typeface="+mn-ea"/>
+        <a:cs typeface="+mn-cs"/>
+      </a:defRPr>
+    </a:lvl9pPr>
+  </p:notesStyle>
+</p:notesMaster>
+</file>
+
+<file path=ppt/notesSlides/notesSlide1.xml><?xml version="1.0" encoding="utf-8"?>
+<p:notes xmlns:a="http://schemas.openxmlformats.org/drawingml/2006/main" xmlns:r="http://schemas.openxmlformats.org/officeDocument/2006/relationships" xmlns:p="http://schemas.openxmlformats.org/presentationml/2006/main">
+  <p:cSld>
+    <p:spTree>
+      <p:nvGrpSpPr>
+        <p:cNvPr id="1" name=""/>
+        <p:cNvGrpSpPr/>
+        <p:nvPr/>
+      </p:nvGrpSpPr>
+      <p:grpSpPr>
+        <a:xfrm>
+          <a:off x="0" y="0"/>
+          <a:ext cx="0" cy="0"/>
+          <a:chOff x="0" y="0"/>
+          <a:chExt cx="0" cy="0"/>
+        </a:xfrm>
+      </p:grpSpPr>
+      <p:sp>
+        <p:nvSpPr>
+          <p:cNvPr id="2" name="Slide Image Placeholder 1"/>
+          <p:cNvSpPr>
+            <a:spLocks noGrp="1" noRot="1" noChangeAspect="1"/>
+          </p:cNvSpPr>
+          <p:nvPr>
+            <p:ph type="sldImg"/>
+          </p:nvPr>
+        </p:nvSpPr>
+        <p:spPr/>
+      </p:sp>
+      <p:sp>
+        <p:nvSpPr>
+          <p:cNvPr id="3" name="Notes Placeholder 2"/>
+          <p:cNvSpPr>
+            <a:spLocks noGrp="1"/>
+          </p:cNvSpPr>
+          <p:nvPr>
+            <p:ph type="body" idx="1"/>
+          </p:nvPr>
+        </p:nvSpPr>
+        <p:spPr/>
+        <p:txBody>
+          <a:bodyPr/>
+          <a:lstStyle/>
+          <a:p>
+            <a:r>
+              <a:rPr lang="en-US" dirty="0"/>
+              <a:t>This mini-workshop will be covering some practical considerations for linear regression.</a:t>
+            </a:r>
+          </a:p>
+        </p:txBody>
+      </p:sp>
+      <p:sp>
+        <p:nvSpPr>
+          <p:cNvPr id="4" name="Slide Number Placeholder 3"/>
+          <p:cNvSpPr>
+            <a:spLocks noGrp="1"/>
+          </p:cNvSpPr>
+          <p:nvPr>
+            <p:ph type="sldNum" sz="quarter" idx="5"/>
+          </p:nvPr>
+        </p:nvSpPr>
+        <p:spPr/>
+        <p:txBody>
+          <a:bodyPr/>
+          <a:lstStyle/>
+          <a:p>
+            <a:fld id="{2E3739CF-F99B-4384-9162-6373020FBA83}" type="slidenum">
+              <a:rPr lang="en-US" smtClean="0"/>
+              <a:t>1</a:t>
+            </a:fld>
+            <a:endParaRPr lang="en-US"/>
+          </a:p>
+        </p:txBody>
+      </p:sp>
+    </p:spTree>
+    <p:extLst>
+      <p:ext uri="{BB962C8B-B14F-4D97-AF65-F5344CB8AC3E}">
+        <p14:creationId xmlns:p14="http://schemas.microsoft.com/office/powerpoint/2010/main" val="1683009335"/>
+      </p:ext>
+    </p:extLst>
+  </p:cSld>
+  <p:clrMapOvr>
+    <a:masterClrMapping/>
+  </p:clrMapOvr>
+</p:notes>
+</file>
+
+<file path=ppt/notesSlides/notesSlide2.xml><?xml version="1.0" encoding="utf-8"?>
+<p:notes xmlns:a="http://schemas.openxmlformats.org/drawingml/2006/main" xmlns:r="http://schemas.openxmlformats.org/officeDocument/2006/relationships" xmlns:p="http://schemas.openxmlformats.org/presentationml/2006/main">
+  <p:cSld>
+    <p:spTree>
+      <p:nvGrpSpPr>
+        <p:cNvPr id="1" name=""/>
+        <p:cNvGrpSpPr/>
+        <p:nvPr/>
+      </p:nvGrpSpPr>
+      <p:grpSpPr>
+        <a:xfrm>
+          <a:off x="0" y="0"/>
+          <a:ext cx="0" cy="0"/>
+          <a:chOff x="0" y="0"/>
+          <a:chExt cx="0" cy="0"/>
+        </a:xfrm>
+      </p:grpSpPr>
+      <p:sp>
+        <p:nvSpPr>
+          <p:cNvPr id="2" name="Slide Image Placeholder 1"/>
+          <p:cNvSpPr>
+            <a:spLocks noGrp="1" noRot="1" noChangeAspect="1"/>
+          </p:cNvSpPr>
+          <p:nvPr>
+            <p:ph type="sldImg"/>
+          </p:nvPr>
+        </p:nvSpPr>
+        <p:spPr/>
+      </p:sp>
+      <p:sp>
+        <p:nvSpPr>
+          <p:cNvPr id="3" name="Notes Placeholder 2"/>
+          <p:cNvSpPr>
+            <a:spLocks noGrp="1"/>
+          </p:cNvSpPr>
+          <p:nvPr>
+            <p:ph type="body" idx="1"/>
+          </p:nvPr>
+        </p:nvSpPr>
+        <p:spPr/>
+        <p:txBody>
+          <a:bodyPr/>
+          <a:lstStyle/>
+          <a:p>
+            <a:r>
+              <a:rPr lang="en-US" dirty="0"/>
+              <a:t>Linear regression is a statistical tool that models the relationship between a dependent variable and a set of predictors. Today, we’ll cover assumptions for linear regression and practical interpretation and implementation of regression in R. During the full workshop, I’ll add more intuition about theory, estimation, and hypothesis testing to complement today’s material. These slides and code are all available online at this </a:t>
+            </a:r>
+            <a:r>
+              <a:rPr lang="en-US" dirty="0" err="1"/>
+              <a:t>github</a:t>
+            </a:r>
+            <a:r>
+              <a:rPr lang="en-US" dirty="0"/>
+              <a:t> repository.</a:t>
+            </a:r>
+          </a:p>
+        </p:txBody>
+      </p:sp>
+      <p:sp>
+        <p:nvSpPr>
+          <p:cNvPr id="4" name="Slide Number Placeholder 3"/>
+          <p:cNvSpPr>
+            <a:spLocks noGrp="1"/>
+          </p:cNvSpPr>
+          <p:nvPr>
+            <p:ph type="sldNum" sz="quarter" idx="5"/>
+          </p:nvPr>
+        </p:nvSpPr>
+        <p:spPr/>
+        <p:txBody>
+          <a:bodyPr/>
+          <a:lstStyle/>
+          <a:p>
+            <a:fld id="{2E3739CF-F99B-4384-9162-6373020FBA83}" type="slidenum">
+              <a:rPr lang="en-US" smtClean="0"/>
+              <a:t>2</a:t>
+            </a:fld>
+            <a:endParaRPr lang="en-US"/>
+          </a:p>
+        </p:txBody>
+      </p:sp>
+    </p:spTree>
+    <p:extLst>
+      <p:ext uri="{BB962C8B-B14F-4D97-AF65-F5344CB8AC3E}">
+        <p14:creationId xmlns:p14="http://schemas.microsoft.com/office/powerpoint/2010/main" val="4290978755"/>
+      </p:ext>
+    </p:extLst>
+  </p:cSld>
+  <p:clrMapOvr>
+    <a:masterClrMapping/>
+  </p:clrMapOvr>
+</p:notes>
+</file>
+
+<file path=ppt/notesSlides/notesSlide3.xml><?xml version="1.0" encoding="utf-8"?>
+<p:notes xmlns:a="http://schemas.openxmlformats.org/drawingml/2006/main" xmlns:r="http://schemas.openxmlformats.org/officeDocument/2006/relationships" xmlns:p="http://schemas.openxmlformats.org/presentationml/2006/main">
+  <p:cSld>
+    <p:spTree>
+      <p:nvGrpSpPr>
+        <p:cNvPr id="1" name=""/>
+        <p:cNvGrpSpPr/>
+        <p:nvPr/>
+      </p:nvGrpSpPr>
+      <p:grpSpPr>
+        <a:xfrm>
+          <a:off x="0" y="0"/>
+          <a:ext cx="0" cy="0"/>
+          <a:chOff x="0" y="0"/>
+          <a:chExt cx="0" cy="0"/>
+        </a:xfrm>
+      </p:grpSpPr>
+      <p:sp>
+        <p:nvSpPr>
+          <p:cNvPr id="2" name="Slide Image Placeholder 1"/>
+          <p:cNvSpPr>
+            <a:spLocks noGrp="1" noRot="1" noChangeAspect="1"/>
+          </p:cNvSpPr>
+          <p:nvPr>
+            <p:ph type="sldImg"/>
+          </p:nvPr>
+        </p:nvSpPr>
+        <p:spPr/>
+      </p:sp>
+      <p:sp>
+        <p:nvSpPr>
+          <p:cNvPr id="3" name="Notes Placeholder 2"/>
+          <p:cNvSpPr>
+            <a:spLocks noGrp="1"/>
+          </p:cNvSpPr>
+          <p:nvPr>
+            <p:ph type="body" idx="1"/>
+          </p:nvPr>
+        </p:nvSpPr>
+        <p:spPr/>
+        <p:txBody>
+          <a:bodyPr/>
+          <a:lstStyle/>
+          <a:p>
+            <a:r>
+              <a:rPr lang="en-US" dirty="0"/>
+              <a:t>Let’s put some math on the board. Linear regression models the mean or expectation of Y, denoted E(Y), as a straight line function of a predictor variable X. The figure on the right shows data observations as points, and the regression line as the dotted line. In regression, the beta0 is the intercept of the line of best fit and the slope of the line is beta1. We can extend to multiple regression by adding on more predictors, X_2 to </a:t>
+            </a:r>
+            <a:r>
+              <a:rPr lang="en-US" dirty="0" err="1"/>
+              <a:t>X_k</a:t>
+            </a:r>
+            <a:r>
+              <a:rPr lang="en-US" dirty="0"/>
+              <a:t>. If we keep X2 to </a:t>
+            </a:r>
+            <a:r>
+              <a:rPr lang="en-US" dirty="0" err="1"/>
+              <a:t>Xk</a:t>
+            </a:r>
+            <a:r>
+              <a:rPr lang="en-US" dirty="0"/>
+              <a:t> constant, that portion of the right-hand side gets absorbed into the intercept and we still have a linear function of X1.</a:t>
+            </a:r>
+          </a:p>
+        </p:txBody>
+      </p:sp>
+      <p:sp>
+        <p:nvSpPr>
+          <p:cNvPr id="4" name="Slide Number Placeholder 3"/>
+          <p:cNvSpPr>
+            <a:spLocks noGrp="1"/>
+          </p:cNvSpPr>
+          <p:nvPr>
+            <p:ph type="sldNum" sz="quarter" idx="5"/>
+          </p:nvPr>
+        </p:nvSpPr>
+        <p:spPr/>
+        <p:txBody>
+          <a:bodyPr/>
+          <a:lstStyle/>
+          <a:p>
+            <a:fld id="{2E3739CF-F99B-4384-9162-6373020FBA83}" type="slidenum">
+              <a:rPr lang="en-US" smtClean="0"/>
+              <a:t>3</a:t>
+            </a:fld>
+            <a:endParaRPr lang="en-US"/>
+          </a:p>
+        </p:txBody>
+      </p:sp>
+    </p:spTree>
+    <p:extLst>
+      <p:ext uri="{BB962C8B-B14F-4D97-AF65-F5344CB8AC3E}">
+        <p14:creationId xmlns:p14="http://schemas.microsoft.com/office/powerpoint/2010/main" val="973984005"/>
+      </p:ext>
+    </p:extLst>
+  </p:cSld>
+  <p:clrMapOvr>
+    <a:masterClrMapping/>
+  </p:clrMapOvr>
+</p:notes>
+</file>
+
+<file path=ppt/notesSlides/notesSlide4.xml><?xml version="1.0" encoding="utf-8"?>
+<p:notes xmlns:a="http://schemas.openxmlformats.org/drawingml/2006/main" xmlns:r="http://schemas.openxmlformats.org/officeDocument/2006/relationships" xmlns:p="http://schemas.openxmlformats.org/presentationml/2006/main">
+  <p:cSld>
+    <p:spTree>
+      <p:nvGrpSpPr>
+        <p:cNvPr id="1" name=""/>
+        <p:cNvGrpSpPr/>
+        <p:nvPr/>
+      </p:nvGrpSpPr>
+      <p:grpSpPr>
+        <a:xfrm>
+          <a:off x="0" y="0"/>
+          <a:ext cx="0" cy="0"/>
+          <a:chOff x="0" y="0"/>
+          <a:chExt cx="0" cy="0"/>
+        </a:xfrm>
+      </p:grpSpPr>
+      <p:sp>
+        <p:nvSpPr>
+          <p:cNvPr id="2" name="Slide Image Placeholder 1"/>
+          <p:cNvSpPr>
+            <a:spLocks noGrp="1" noRot="1" noChangeAspect="1"/>
+          </p:cNvSpPr>
+          <p:nvPr>
+            <p:ph type="sldImg"/>
+          </p:nvPr>
+        </p:nvSpPr>
+        <p:spPr/>
+      </p:sp>
+      <p:sp>
+        <p:nvSpPr>
+          <p:cNvPr id="3" name="Notes Placeholder 2"/>
+          <p:cNvSpPr>
+            <a:spLocks noGrp="1"/>
+          </p:cNvSpPr>
+          <p:nvPr>
+            <p:ph type="body" idx="1"/>
+          </p:nvPr>
+        </p:nvSpPr>
+        <p:spPr/>
+        <p:txBody>
+          <a:bodyPr/>
+          <a:lstStyle/>
+          <a:p>
+            <a:r>
+              <a:rPr lang="en-US" dirty="0"/>
+              <a:t>Let’s also go through some simple definitions. Linear regression models the mean or expectation of Y, denoted E(Y), as a straight line function of a predictor variable X, where Beta0 is the intercept of the line and beta1 is the slope. The epsilon parameter represents random error, or the portion of Y that can’t be explained by X. We’re assuming this error is normally distributed. We’ll refer to estimates of parameters by throwing hats on the parameters. So the estimated intercept is beta hat 0. Fitted values </a:t>
+            </a:r>
+            <a:r>
+              <a:rPr lang="en-US" dirty="0" err="1"/>
+              <a:t>Yhat</a:t>
+            </a:r>
+            <a:r>
+              <a:rPr lang="en-US" dirty="0"/>
+              <a:t> are estimates of Y when we plug in the parameter estimates. So, in this figure, the fitted value for this observation is this point here on the regression line. Accordingly, the residual is the difference between the fitted value of Y and the observed value.</a:t>
+            </a:r>
+          </a:p>
+        </p:txBody>
+      </p:sp>
+      <p:sp>
+        <p:nvSpPr>
+          <p:cNvPr id="4" name="Slide Number Placeholder 3"/>
+          <p:cNvSpPr>
+            <a:spLocks noGrp="1"/>
+          </p:cNvSpPr>
+          <p:nvPr>
+            <p:ph type="sldNum" sz="quarter" idx="5"/>
+          </p:nvPr>
+        </p:nvSpPr>
+        <p:spPr/>
+        <p:txBody>
+          <a:bodyPr/>
+          <a:lstStyle/>
+          <a:p>
+            <a:fld id="{2E3739CF-F99B-4384-9162-6373020FBA83}" type="slidenum">
+              <a:rPr lang="en-US" smtClean="0"/>
+              <a:t>4</a:t>
+            </a:fld>
+            <a:endParaRPr lang="en-US"/>
+          </a:p>
+        </p:txBody>
+      </p:sp>
+    </p:spTree>
+    <p:extLst>
+      <p:ext uri="{BB962C8B-B14F-4D97-AF65-F5344CB8AC3E}">
+        <p14:creationId xmlns:p14="http://schemas.microsoft.com/office/powerpoint/2010/main" val="515772268"/>
+      </p:ext>
+    </p:extLst>
+  </p:cSld>
+  <p:clrMapOvr>
+    <a:masterClrMapping/>
+  </p:clrMapOvr>
+</p:notes>
+</file>
+
+<file path=ppt/notesSlides/notesSlide5.xml><?xml version="1.0" encoding="utf-8"?>
+<p:notes xmlns:a="http://schemas.openxmlformats.org/drawingml/2006/main" xmlns:r="http://schemas.openxmlformats.org/officeDocument/2006/relationships" xmlns:p="http://schemas.openxmlformats.org/presentationml/2006/main">
+  <p:cSld>
+    <p:spTree>
+      <p:nvGrpSpPr>
+        <p:cNvPr id="1" name=""/>
+        <p:cNvGrpSpPr/>
+        <p:nvPr/>
+      </p:nvGrpSpPr>
+      <p:grpSpPr>
+        <a:xfrm>
+          <a:off x="0" y="0"/>
+          <a:ext cx="0" cy="0"/>
+          <a:chOff x="0" y="0"/>
+          <a:chExt cx="0" cy="0"/>
+        </a:xfrm>
+      </p:grpSpPr>
+      <p:sp>
+        <p:nvSpPr>
+          <p:cNvPr id="2" name="Slide Image Placeholder 1"/>
+          <p:cNvSpPr>
+            <a:spLocks noGrp="1" noRot="1" noChangeAspect="1"/>
+          </p:cNvSpPr>
+          <p:nvPr>
+            <p:ph type="sldImg"/>
+          </p:nvPr>
+        </p:nvSpPr>
+        <p:spPr/>
+      </p:sp>
+      <p:sp>
+        <p:nvSpPr>
+          <p:cNvPr id="3" name="Notes Placeholder 2"/>
+          <p:cNvSpPr>
+            <a:spLocks noGrp="1"/>
+          </p:cNvSpPr>
+          <p:nvPr>
+            <p:ph type="body" idx="1"/>
+          </p:nvPr>
+        </p:nvSpPr>
+        <p:spPr/>
+        <p:txBody>
+          <a:bodyPr/>
+          <a:lstStyle/>
+          <a:p>
+            <a:r>
+              <a:rPr lang="en-US" dirty="0"/>
+              <a:t>We fit linear regression using a procedure called ordinary least squares. Essentially we’re searching for beta hat values that minimize the sum of squared residuals, shown here. From the last slide, the residual is y minus </a:t>
+            </a:r>
+            <a:r>
+              <a:rPr lang="en-US" dirty="0" err="1"/>
+              <a:t>yhat</a:t>
+            </a:r>
+            <a:r>
+              <a:rPr lang="en-US" dirty="0"/>
+              <a:t>, we square it and the sum over all samples, and we end up with the sum of squared residuals. This gif here is illustrative. The gray diagonal line is the eventual regression line for the observations in black. The blue line swings around, searching through various estimates for the slope and intercept, but it stabilizes on the grey line that minimizes the sum of squared residuals, which are shown by these gray springy lines.</a:t>
+            </a:r>
+          </a:p>
+        </p:txBody>
+      </p:sp>
+      <p:sp>
+        <p:nvSpPr>
+          <p:cNvPr id="4" name="Slide Number Placeholder 3"/>
+          <p:cNvSpPr>
+            <a:spLocks noGrp="1"/>
+          </p:cNvSpPr>
+          <p:nvPr>
+            <p:ph type="sldNum" sz="quarter" idx="5"/>
+          </p:nvPr>
+        </p:nvSpPr>
+        <p:spPr/>
+        <p:txBody>
+          <a:bodyPr/>
+          <a:lstStyle/>
+          <a:p>
+            <a:fld id="{2E3739CF-F99B-4384-9162-6373020FBA83}" type="slidenum">
+              <a:rPr lang="en-US" smtClean="0"/>
+              <a:t>5</a:t>
+            </a:fld>
+            <a:endParaRPr lang="en-US"/>
+          </a:p>
+        </p:txBody>
+      </p:sp>
+    </p:spTree>
+    <p:extLst>
+      <p:ext uri="{BB962C8B-B14F-4D97-AF65-F5344CB8AC3E}">
+        <p14:creationId xmlns:p14="http://schemas.microsoft.com/office/powerpoint/2010/main" val="903088220"/>
+      </p:ext>
+    </p:extLst>
+  </p:cSld>
+  <p:clrMapOvr>
+    <a:masterClrMapping/>
+  </p:clrMapOvr>
+</p:notes>
+</file>
+
+<file path=ppt/notesSlides/notesSlide6.xml><?xml version="1.0" encoding="utf-8"?>
+<p:notes xmlns:a="http://schemas.openxmlformats.org/drawingml/2006/main" xmlns:r="http://schemas.openxmlformats.org/officeDocument/2006/relationships" xmlns:p="http://schemas.openxmlformats.org/presentationml/2006/main">
+  <p:cSld>
+    <p:spTree>
+      <p:nvGrpSpPr>
+        <p:cNvPr id="1" name=""/>
+        <p:cNvGrpSpPr/>
+        <p:nvPr/>
+      </p:nvGrpSpPr>
+      <p:grpSpPr>
+        <a:xfrm>
+          <a:off x="0" y="0"/>
+          <a:ext cx="0" cy="0"/>
+          <a:chOff x="0" y="0"/>
+          <a:chExt cx="0" cy="0"/>
+        </a:xfrm>
+      </p:grpSpPr>
+      <p:sp>
+        <p:nvSpPr>
+          <p:cNvPr id="2" name="Slide Image Placeholder 1"/>
+          <p:cNvSpPr>
+            <a:spLocks noGrp="1" noRot="1" noChangeAspect="1"/>
+          </p:cNvSpPr>
+          <p:nvPr>
+            <p:ph type="sldImg"/>
+          </p:nvPr>
+        </p:nvSpPr>
+        <p:spPr/>
+      </p:sp>
+      <p:sp>
+        <p:nvSpPr>
+          <p:cNvPr id="3" name="Notes Placeholder 2"/>
+          <p:cNvSpPr>
+            <a:spLocks noGrp="1"/>
+          </p:cNvSpPr>
+          <p:nvPr>
+            <p:ph type="body" idx="1"/>
+          </p:nvPr>
+        </p:nvSpPr>
+        <p:spPr/>
+        <p:txBody>
+          <a:bodyPr/>
+          <a:lstStyle/>
+          <a:p>
+            <a:r>
+              <a:rPr lang="en-US" dirty="0"/>
+              <a:t>Linear regression has 4 key assumptions, and it’s important to evaluate these when running a regression. First, linearity – that the predictors and dependent variable have a linear relationship, this straight line relationship. Next, homoscedasticity, where the variable of the residuals are the same across any value of X. Third is independence, where we assume that the observations in our data are not related to one another. And lastly, normality, which is the most often misinterpreted assumption. Here, given X, Y is normally distributed. This isn’t that Y itself is normally distributed, but the residuals are. We’ll cover simple ways to check these assumptions shortly.</a:t>
+            </a:r>
+          </a:p>
+        </p:txBody>
+      </p:sp>
+      <p:sp>
+        <p:nvSpPr>
+          <p:cNvPr id="4" name="Slide Number Placeholder 3"/>
+          <p:cNvSpPr>
+            <a:spLocks noGrp="1"/>
+          </p:cNvSpPr>
+          <p:nvPr>
+            <p:ph type="sldNum" sz="quarter" idx="5"/>
+          </p:nvPr>
+        </p:nvSpPr>
+        <p:spPr/>
+        <p:txBody>
+          <a:bodyPr/>
+          <a:lstStyle/>
+          <a:p>
+            <a:fld id="{2E3739CF-F99B-4384-9162-6373020FBA83}" type="slidenum">
+              <a:rPr lang="en-US" smtClean="0"/>
+              <a:t>6</a:t>
+            </a:fld>
+            <a:endParaRPr lang="en-US"/>
+          </a:p>
+        </p:txBody>
+      </p:sp>
+    </p:spTree>
+    <p:extLst>
+      <p:ext uri="{BB962C8B-B14F-4D97-AF65-F5344CB8AC3E}">
+        <p14:creationId xmlns:p14="http://schemas.microsoft.com/office/powerpoint/2010/main" val="2563853890"/>
+      </p:ext>
+    </p:extLst>
+  </p:cSld>
+  <p:clrMapOvr>
+    <a:masterClrMapping/>
+  </p:clrMapOvr>
+</p:notes>
+</file>
+
+<file path=ppt/notesSlides/notesSlide7.xml><?xml version="1.0" encoding="utf-8"?>
+<p:notes xmlns:a="http://schemas.openxmlformats.org/drawingml/2006/main" xmlns:r="http://schemas.openxmlformats.org/officeDocument/2006/relationships" xmlns:p="http://schemas.openxmlformats.org/presentationml/2006/main">
+  <p:cSld>
+    <p:spTree>
+      <p:nvGrpSpPr>
+        <p:cNvPr id="1" name=""/>
+        <p:cNvGrpSpPr/>
+        <p:nvPr/>
+      </p:nvGrpSpPr>
+      <p:grpSpPr>
+        <a:xfrm>
+          <a:off x="0" y="0"/>
+          <a:ext cx="0" cy="0"/>
+          <a:chOff x="0" y="0"/>
+          <a:chExt cx="0" cy="0"/>
+        </a:xfrm>
+      </p:grpSpPr>
+      <p:sp>
+        <p:nvSpPr>
+          <p:cNvPr id="2" name="Slide Image Placeholder 1"/>
+          <p:cNvSpPr>
+            <a:spLocks noGrp="1" noRot="1" noChangeAspect="1"/>
+          </p:cNvSpPr>
+          <p:nvPr>
+            <p:ph type="sldImg"/>
+          </p:nvPr>
+        </p:nvSpPr>
+        <p:spPr/>
+      </p:sp>
+      <p:sp>
+        <p:nvSpPr>
+          <p:cNvPr id="3" name="Notes Placeholder 2"/>
+          <p:cNvSpPr>
+            <a:spLocks noGrp="1"/>
+          </p:cNvSpPr>
+          <p:nvPr>
+            <p:ph type="body" idx="1"/>
+          </p:nvPr>
+        </p:nvSpPr>
+        <p:spPr/>
+        <p:txBody>
+          <a:bodyPr/>
+          <a:lstStyle/>
+          <a:p>
+            <a:r>
+              <a:rPr lang="en-US" dirty="0"/>
+              <a:t>We’ll now go through a practical example through eQTL analysis. eQTLs are expression quantitative trait loci, or a part of the genome that associated with gene expression. Traditionally, the important step of eQTL analysis is a series of linear regressions between all genetic variants in the genome and genes in the transcriptome. But here, we’ll look at 1 eQTL – so 1 SNP, 1 gene, and 1 covariate.</a:t>
+            </a:r>
+          </a:p>
+        </p:txBody>
+      </p:sp>
+      <p:sp>
+        <p:nvSpPr>
+          <p:cNvPr id="4" name="Slide Number Placeholder 3"/>
+          <p:cNvSpPr>
+            <a:spLocks noGrp="1"/>
+          </p:cNvSpPr>
+          <p:nvPr>
+            <p:ph type="sldNum" sz="quarter" idx="5"/>
+          </p:nvPr>
+        </p:nvSpPr>
+        <p:spPr/>
+        <p:txBody>
+          <a:bodyPr/>
+          <a:lstStyle/>
+          <a:p>
+            <a:fld id="{2E3739CF-F99B-4384-9162-6373020FBA83}" type="slidenum">
+              <a:rPr lang="en-US" smtClean="0"/>
+              <a:t>7</a:t>
+            </a:fld>
+            <a:endParaRPr lang="en-US"/>
+          </a:p>
+        </p:txBody>
+      </p:sp>
+    </p:spTree>
+    <p:extLst>
+      <p:ext uri="{BB962C8B-B14F-4D97-AF65-F5344CB8AC3E}">
+        <p14:creationId xmlns:p14="http://schemas.microsoft.com/office/powerpoint/2010/main" val="743618876"/>
+      </p:ext>
+    </p:extLst>
+  </p:cSld>
+  <p:clrMapOvr>
+    <a:masterClrMapping/>
+  </p:clrMapOvr>
+</p:notes>
+</file>
+
 <file path=ppt/slideLayouts/slideLayout1.xml><?xml version="1.0" encoding="utf-8"?>
 <p:sldLayout xmlns:a="http://schemas.openxmlformats.org/drawingml/2006/main" xmlns:r="http://schemas.openxmlformats.org/officeDocument/2006/relationships" xmlns:p="http://schemas.openxmlformats.org/presentationml/2006/main" showMasterSp="0" type="title" preserve="1">
   <p:cSld name="Title Slide">
@@ -344,7 +1345,7 @@
           <a:p>
             <a:fld id="{0B337EF3-C0C2-49BE-BDEC-383A17CA990C}" type="datetimeFigureOut">
               <a:rPr lang="en-US" smtClean="0"/>
-              <a:t>6/11/2021</a:t>
+              <a:t>6/14/2021</a:t>
             </a:fld>
             <a:endParaRPr lang="en-US"/>
           </a:p>
@@ -552,7 +1553,7 @@
           <a:p>
             <a:fld id="{0B337EF3-C0C2-49BE-BDEC-383A17CA990C}" type="datetimeFigureOut">
               <a:rPr lang="en-US" smtClean="0"/>
-              <a:t>6/11/2021</a:t>
+              <a:t>6/14/2021</a:t>
             </a:fld>
             <a:endParaRPr lang="en-US"/>
           </a:p>
@@ -808,7 +1809,7 @@
           <a:p>
             <a:fld id="{0B337EF3-C0C2-49BE-BDEC-383A17CA990C}" type="datetimeFigureOut">
               <a:rPr lang="en-US" smtClean="0"/>
-              <a:t>6/11/2021</a:t>
+              <a:t>6/14/2021</a:t>
             </a:fld>
             <a:endParaRPr lang="en-US"/>
           </a:p>
@@ -982,7 +1983,7 @@
           <a:p>
             <a:fld id="{0B337EF3-C0C2-49BE-BDEC-383A17CA990C}" type="datetimeFigureOut">
               <a:rPr lang="en-US" smtClean="0"/>
-              <a:t>6/11/2021</a:t>
+              <a:t>6/14/2021</a:t>
             </a:fld>
             <a:endParaRPr lang="en-US"/>
           </a:p>
@@ -1325,7 +2326,7 @@
           <a:p>
             <a:fld id="{0B337EF3-C0C2-49BE-BDEC-383A17CA990C}" type="datetimeFigureOut">
               <a:rPr lang="en-US" smtClean="0"/>
-              <a:t>6/11/2021</a:t>
+              <a:t>6/14/2021</a:t>
             </a:fld>
             <a:endParaRPr lang="en-US"/>
           </a:p>
@@ -1600,7 +2601,7 @@
           <a:p>
             <a:fld id="{0B337EF3-C0C2-49BE-BDEC-383A17CA990C}" type="datetimeFigureOut">
               <a:rPr lang="en-US" smtClean="0"/>
-              <a:t>6/11/2021</a:t>
+              <a:t>6/14/2021</a:t>
             </a:fld>
             <a:endParaRPr lang="en-US"/>
           </a:p>
@@ -1979,7 +2980,7 @@
           <a:p>
             <a:fld id="{0B337EF3-C0C2-49BE-BDEC-383A17CA990C}" type="datetimeFigureOut">
               <a:rPr lang="en-US" smtClean="0"/>
-              <a:t>6/11/2021</a:t>
+              <a:t>6/14/2021</a:t>
             </a:fld>
             <a:endParaRPr lang="en-US"/>
           </a:p>
@@ -2097,7 +3098,7 @@
           <a:p>
             <a:fld id="{0B337EF3-C0C2-49BE-BDEC-383A17CA990C}" type="datetimeFigureOut">
               <a:rPr lang="en-US" smtClean="0"/>
-              <a:t>6/11/2021</a:t>
+              <a:t>6/14/2021</a:t>
             </a:fld>
             <a:endParaRPr lang="en-US"/>
           </a:p>
@@ -2268,7 +3269,7 @@
           <a:p>
             <a:fld id="{0B337EF3-C0C2-49BE-BDEC-383A17CA990C}" type="datetimeFigureOut">
               <a:rPr lang="en-US" smtClean="0"/>
-              <a:t>6/11/2021</a:t>
+              <a:t>6/14/2021</a:t>
             </a:fld>
             <a:endParaRPr lang="en-US"/>
           </a:p>
@@ -2622,7 +3623,7 @@
           <a:p>
             <a:fld id="{0B337EF3-C0C2-49BE-BDEC-383A17CA990C}" type="datetimeFigureOut">
               <a:rPr lang="en-US" smtClean="0"/>
-              <a:t>6/11/2021</a:t>
+              <a:t>6/14/2021</a:t>
             </a:fld>
             <a:endParaRPr lang="en-US"/>
           </a:p>
@@ -3004,7 +4005,7 @@
           <a:p>
             <a:fld id="{0B337EF3-C0C2-49BE-BDEC-383A17CA990C}" type="datetimeFigureOut">
               <a:rPr lang="en-US" smtClean="0"/>
-              <a:t>6/11/2021</a:t>
+              <a:t>6/14/2021</a:t>
             </a:fld>
             <a:endParaRPr lang="en-US"/>
           </a:p>
@@ -3290,7 +4291,7 @@
           <a:p>
             <a:fld id="{0B337EF3-C0C2-49BE-BDEC-383A17CA990C}" type="datetimeFigureOut">
               <a:rPr lang="en-US" smtClean="0"/>
-              <a:t>6/11/2021</a:t>
+              <a:t>6/14/2021</a:t>
             </a:fld>
             <a:endParaRPr lang="en-US"/>
           </a:p>
@@ -3831,14 +4832,21 @@
           </a:xfrm>
         </p:spPr>
         <p:txBody>
-          <a:bodyPr/>
+          <a:bodyPr>
+            <a:normAutofit/>
+          </a:bodyPr>
           <a:lstStyle/>
           <a:p>
             <a:pPr marL="0" lvl="0" indent="0">
               <a:buNone/>
             </a:pPr>
             <a:r>
-              <a:t>Estimation and testing in linear regression</a:t>
+              <a:rPr lang="en-US" dirty="0"/>
+              <a:t>Practical notes for </a:t>
+            </a:r>
+            <a:r>
+              <a:rPr dirty="0"/>
+              <a:t>linear regression</a:t>
             </a:r>
           </a:p>
         </p:txBody>
@@ -3860,17 +4868,30 @@
           </a:xfrm>
         </p:spPr>
         <p:txBody>
-          <a:bodyPr/>
+          <a:bodyPr>
+            <a:normAutofit/>
+          </a:bodyPr>
           <a:lstStyle/>
           <a:p>
             <a:pPr marL="0" lvl="0" indent="0">
               <a:buNone/>
             </a:pPr>
-            <a:br/>
-            <a:br/>
-            <a:r>
+            <a:br>
+              <a:rPr lang="en-US" cap="none" dirty="0"/>
+            </a:br>
+            <a:br>
+              <a:rPr lang="en-US" cap="none" dirty="0"/>
+            </a:br>
+            <a:r>
+              <a:rPr lang="en-US" cap="none" dirty="0"/>
               <a:t>Arjun Bhattacharya</a:t>
             </a:r>
+          </a:p>
+          <a:p>
+            <a:pPr marL="0" lvl="0" indent="0">
+              <a:buNone/>
+            </a:pPr>
+            <a:endParaRPr cap="none" dirty="0"/>
           </a:p>
         </p:txBody>
       </p:sp>
@@ -3967,22 +4988,32 @@
             <a:pPr lvl="1"/>
             <a:r>
               <a:rPr dirty="0"/>
-              <a:t>What we’ll cover:</a:t>
+              <a:t>What we’ll cover</a:t>
+            </a:r>
+            <a:r>
+              <a:rPr lang="en-US" dirty="0"/>
+              <a:t> today</a:t>
+            </a:r>
+            <a:r>
+              <a:rPr dirty="0"/>
+              <a:t>:</a:t>
             </a:r>
           </a:p>
           <a:p>
             <a:pPr lvl="2"/>
             <a:r>
+              <a:rPr lang="en-US" dirty="0"/>
+              <a:t>Assessing the </a:t>
+            </a:r>
+            <a:r>
               <a:rPr dirty="0"/>
-              <a:t>Some basic mathematical theory and assumptions</a:t>
-            </a:r>
-          </a:p>
-          <a:p>
-            <a:pPr lvl="2"/>
-            <a:r>
-              <a:rPr dirty="0"/>
-              <a:t>Estimation and hypothesis testing of parameters</a:t>
-            </a:r>
+              <a:t>assumptions</a:t>
+            </a:r>
+            <a:r>
+              <a:rPr lang="en-US" dirty="0"/>
+              <a:t> of linear regression</a:t>
+            </a:r>
+            <a:endParaRPr dirty="0"/>
           </a:p>
           <a:p>
             <a:pPr lvl="2"/>
@@ -3997,6 +5028,15 @@
               <a:rPr dirty="0"/>
               <a:t>Implementation of linear regression in R</a:t>
             </a:r>
+            <a:endParaRPr lang="en-US" dirty="0"/>
+          </a:p>
+          <a:p>
+            <a:pPr lvl="1"/>
+            <a:r>
+              <a:rPr lang="en-US" dirty="0"/>
+              <a:t>In a full workshop – some more intuition about theory, estimation, and hypothesis testing</a:t>
+            </a:r>
+            <a:endParaRPr dirty="0"/>
           </a:p>
           <a:p>
             <a:pPr lvl="1"/>
@@ -4006,37 +5046,37 @@
             </a:r>
             <a:r>
               <a:rPr dirty="0">
-                <a:hlinkClick r:id="rId2"/>
+                <a:hlinkClick r:id="rId3"/>
               </a:rPr>
               <a:t>github.com/</a:t>
             </a:r>
             <a:r>
               <a:rPr dirty="0" err="1">
-                <a:hlinkClick r:id="rId2"/>
+                <a:hlinkClick r:id="rId3"/>
               </a:rPr>
               <a:t>bhattacharya</a:t>
             </a:r>
             <a:r>
               <a:rPr dirty="0">
-                <a:hlinkClick r:id="rId2"/>
+                <a:hlinkClick r:id="rId3"/>
               </a:rPr>
               <a:t>-a-</a:t>
             </a:r>
             <a:r>
               <a:rPr dirty="0" err="1">
-                <a:hlinkClick r:id="rId2"/>
+                <a:hlinkClick r:id="rId3"/>
               </a:rPr>
               <a:t>bt</a:t>
             </a:r>
             <a:r>
               <a:rPr dirty="0">
-                <a:hlinkClick r:id="rId2"/>
+                <a:hlinkClick r:id="rId3"/>
               </a:rPr>
               <a:t>/</a:t>
             </a:r>
             <a:r>
               <a:rPr dirty="0" err="1">
-                <a:hlinkClick r:id="rId2"/>
+                <a:hlinkClick r:id="rId3"/>
               </a:rPr>
               <a:t>qcbio_trial</a:t>
             </a:r>
@@ -4056,7 +5096,7 @@
 </file>
 
 <file path=ppt/slides/slide3.xml><?xml version="1.0" encoding="utf-8"?>
-<p:sld xmlns:a="http://schemas.openxmlformats.org/drawingml/2006/main" xmlns:r="http://schemas.openxmlformats.org/officeDocument/2006/relationships" xmlns:p="http://schemas.openxmlformats.org/presentationml/2006/main">
+<p:sld xmlns:a="http://schemas.openxmlformats.org/drawingml/2006/main" xmlns:r="http://schemas.openxmlformats.org/officeDocument/2006/relationships" xmlns:p="http://schemas.openxmlformats.org/presentationml/2006/main" show="0">
   <p:cSld>
     <p:spTree>
       <p:nvGrpSpPr>
@@ -4108,7 +5148,12 @@
                 <p:ph idx="1"/>
               </p:nvPr>
             </p:nvSpPr>
-            <p:spPr/>
+            <p:spPr>
+              <a:xfrm>
+                <a:off x="1097280" y="1845734"/>
+                <a:ext cx="4781006" cy="4023360"/>
+              </a:xfrm>
+            </p:spPr>
             <p:txBody>
               <a:bodyPr/>
               <a:lstStyle/>
@@ -4697,10 +5742,14 @@
               </p:nvPr>
             </p:nvSpPr>
             <p:spPr>
+              <a:xfrm>
+                <a:off x="1097280" y="1845734"/>
+                <a:ext cx="4781006" cy="4023360"/>
+              </a:xfrm>
               <a:blipFill>
-                <a:blip r:embed="rId2"/>
+                <a:blip r:embed="rId3"/>
                 <a:stretch>
-                  <a:fillRect l="-1515" t="-1515"/>
+                  <a:fillRect l="-3189" t="-1515" r="-1276" b="-1212"/>
                 </a:stretch>
               </a:blipFill>
             </p:spPr>
@@ -4719,11 +5768,285 @@
           </p:sp>
         </mc:Fallback>
       </mc:AlternateContent>
+      <p:pic>
+        <p:nvPicPr>
+          <p:cNvPr id="1026" name="Picture 2" descr="An Introduction to Linear Regression Analysis - YouTube">
+            <a:extLst>
+              <a:ext uri="{FF2B5EF4-FFF2-40B4-BE49-F238E27FC236}">
+                <a16:creationId xmlns:a16="http://schemas.microsoft.com/office/drawing/2014/main" id="{EEC0B2D1-33D3-4E90-8A46-75AF75280E2C}"/>
+              </a:ext>
+            </a:extLst>
+          </p:cNvPr>
+          <p:cNvPicPr>
+            <a:picLocks noChangeAspect="1" noChangeArrowheads="1"/>
+          </p:cNvPicPr>
+          <p:nvPr/>
+        </p:nvPicPr>
+        <p:blipFill rotWithShape="1">
+          <a:blip r:embed="rId4">
+            <a:extLst>
+              <a:ext uri="{28A0092B-C50C-407E-A947-70E740481C1C}">
+                <a14:useLocalDpi xmlns:a14="http://schemas.microsoft.com/office/drawing/2010/main" val="0"/>
+              </a:ext>
+            </a:extLst>
+          </a:blip>
+          <a:srcRect l="9000" t="2461" r="27475" b="7573"/>
+          <a:stretch/>
+        </p:blipFill>
+        <p:spPr bwMode="auto">
+          <a:xfrm>
+            <a:off x="6222274" y="1919099"/>
+            <a:ext cx="5325291" cy="4242408"/>
+          </a:xfrm>
+          <a:prstGeom prst="rect">
+            <a:avLst/>
+          </a:prstGeom>
+          <a:noFill/>
+          <a:extLst>
+            <a:ext uri="{909E8E84-426E-40DD-AFC4-6F175D3DCCD1}">
+              <a14:hiddenFill xmlns:a14="http://schemas.microsoft.com/office/drawing/2010/main">
+                <a:solidFill>
+                  <a:srgbClr val="FFFFFF"/>
+                </a:solidFill>
+              </a14:hiddenFill>
+            </a:ext>
+          </a:extLst>
+        </p:spPr>
+      </p:pic>
+      <p:sp>
+        <p:nvSpPr>
+          <p:cNvPr id="4" name="Rectangle 3">
+            <a:extLst>
+              <a:ext uri="{FF2B5EF4-FFF2-40B4-BE49-F238E27FC236}">
+                <a16:creationId xmlns:a16="http://schemas.microsoft.com/office/drawing/2014/main" id="{3467FFD1-9DBE-4F84-908A-60CF4435AA3A}"/>
+              </a:ext>
+            </a:extLst>
+          </p:cNvPr>
+          <p:cNvSpPr/>
+          <p:nvPr/>
+        </p:nvSpPr>
+        <p:spPr>
+          <a:xfrm>
+            <a:off x="8456023" y="4868091"/>
+            <a:ext cx="1210491" cy="374469"/>
+          </a:xfrm>
+          <a:prstGeom prst="rect">
+            <a:avLst/>
+          </a:prstGeom>
+          <a:solidFill>
+            <a:schemeClr val="bg1"/>
+          </a:solidFill>
+          <a:ln>
+            <a:noFill/>
+          </a:ln>
+        </p:spPr>
+        <p:style>
+          <a:lnRef idx="2">
+            <a:schemeClr val="accent1">
+              <a:shade val="50000"/>
+            </a:schemeClr>
+          </a:lnRef>
+          <a:fillRef idx="1">
+            <a:schemeClr val="accent1"/>
+          </a:fillRef>
+          <a:effectRef idx="0">
+            <a:schemeClr val="accent1"/>
+          </a:effectRef>
+          <a:fontRef idx="minor">
+            <a:schemeClr val="lt1"/>
+          </a:fontRef>
+        </p:style>
+        <p:txBody>
+          <a:bodyPr rtlCol="0" anchor="ctr"/>
+          <a:lstStyle/>
+          <a:p>
+            <a:pPr algn="ctr"/>
+            <a:endParaRPr lang="en-US"/>
+          </a:p>
+        </p:txBody>
+      </p:sp>
     </p:spTree>
   </p:cSld>
   <p:clrMapOvr>
     <a:masterClrMapping/>
   </p:clrMapOvr>
+  <p:timing>
+    <p:tnLst>
+      <p:par>
+        <p:cTn id="1" dur="indefinite" restart="never" nodeType="tmRoot">
+          <p:childTnLst>
+            <p:seq concurrent="1" nextAc="seek">
+              <p:cTn id="2" dur="indefinite" nodeType="mainSeq">
+                <p:childTnLst>
+                  <p:par>
+                    <p:cTn id="3" fill="hold">
+                      <p:stCondLst>
+                        <p:cond delay="indefinite"/>
+                      </p:stCondLst>
+                      <p:childTnLst>
+                        <p:par>
+                          <p:cTn id="4" fill="hold">
+                            <p:stCondLst>
+                              <p:cond delay="0"/>
+                            </p:stCondLst>
+                            <p:childTnLst>
+                              <p:par>
+                                <p:cTn id="5" presetID="10" presetClass="entr" presetSubtype="0" fill="hold" nodeType="clickEffect">
+                                  <p:stCondLst>
+                                    <p:cond delay="0"/>
+                                  </p:stCondLst>
+                                  <p:childTnLst>
+                                    <p:set>
+                                      <p:cBhvr>
+                                        <p:cTn id="6" dur="1" fill="hold">
+                                          <p:stCondLst>
+                                            <p:cond delay="0"/>
+                                          </p:stCondLst>
+                                        </p:cTn>
+                                        <p:tgtEl>
+                                          <p:spTgt spid="3">
+                                            <p:txEl>
+                                              <p:pRg st="4" end="4"/>
+                                            </p:txEl>
+                                          </p:spTgt>
+                                        </p:tgtEl>
+                                        <p:attrNameLst>
+                                          <p:attrName>style.visibility</p:attrName>
+                                        </p:attrNameLst>
+                                      </p:cBhvr>
+                                      <p:to>
+                                        <p:strVal val="visible"/>
+                                      </p:to>
+                                    </p:set>
+                                    <p:animEffect transition="in" filter="fade">
+                                      <p:cBhvr>
+                                        <p:cTn id="7" dur="500"/>
+                                        <p:tgtEl>
+                                          <p:spTgt spid="3">
+                                            <p:txEl>
+                                              <p:pRg st="4" end="4"/>
+                                            </p:txEl>
+                                          </p:spTgt>
+                                        </p:tgtEl>
+                                      </p:cBhvr>
+                                    </p:animEffect>
+                                  </p:childTnLst>
+                                </p:cTn>
+                              </p:par>
+                              <p:par>
+                                <p:cTn id="8" presetID="10" presetClass="entr" presetSubtype="0" fill="hold" nodeType="withEffect">
+                                  <p:stCondLst>
+                                    <p:cond delay="0"/>
+                                  </p:stCondLst>
+                                  <p:childTnLst>
+                                    <p:set>
+                                      <p:cBhvr>
+                                        <p:cTn id="9" dur="1" fill="hold">
+                                          <p:stCondLst>
+                                            <p:cond delay="0"/>
+                                          </p:stCondLst>
+                                        </p:cTn>
+                                        <p:tgtEl>
+                                          <p:spTgt spid="3">
+                                            <p:txEl>
+                                              <p:pRg st="6" end="6"/>
+                                            </p:txEl>
+                                          </p:spTgt>
+                                        </p:tgtEl>
+                                        <p:attrNameLst>
+                                          <p:attrName>style.visibility</p:attrName>
+                                        </p:attrNameLst>
+                                      </p:cBhvr>
+                                      <p:to>
+                                        <p:strVal val="visible"/>
+                                      </p:to>
+                                    </p:set>
+                                    <p:animEffect transition="in" filter="fade">
+                                      <p:cBhvr>
+                                        <p:cTn id="10" dur="500"/>
+                                        <p:tgtEl>
+                                          <p:spTgt spid="3">
+                                            <p:txEl>
+                                              <p:pRg st="6" end="6"/>
+                                            </p:txEl>
+                                          </p:spTgt>
+                                        </p:tgtEl>
+                                      </p:cBhvr>
+                                    </p:animEffect>
+                                  </p:childTnLst>
+                                </p:cTn>
+                              </p:par>
+                              <p:par>
+                                <p:cTn id="11" presetID="10" presetClass="entr" presetSubtype="0" fill="hold" nodeType="withEffect">
+                                  <p:stCondLst>
+                                    <p:cond delay="0"/>
+                                  </p:stCondLst>
+                                  <p:childTnLst>
+                                    <p:set>
+                                      <p:cBhvr>
+                                        <p:cTn id="12" dur="1" fill="hold">
+                                          <p:stCondLst>
+                                            <p:cond delay="0"/>
+                                          </p:stCondLst>
+                                        </p:cTn>
+                                        <p:tgtEl>
+                                          <p:spTgt spid="3">
+                                            <p:txEl>
+                                              <p:pRg st="8" end="8"/>
+                                            </p:txEl>
+                                          </p:spTgt>
+                                        </p:tgtEl>
+                                        <p:attrNameLst>
+                                          <p:attrName>style.visibility</p:attrName>
+                                        </p:attrNameLst>
+                                      </p:cBhvr>
+                                      <p:to>
+                                        <p:strVal val="visible"/>
+                                      </p:to>
+                                    </p:set>
+                                    <p:animEffect transition="in" filter="fade">
+                                      <p:cBhvr>
+                                        <p:cTn id="13" dur="500"/>
+                                        <p:tgtEl>
+                                          <p:spTgt spid="3">
+                                            <p:txEl>
+                                              <p:pRg st="8" end="8"/>
+                                            </p:txEl>
+                                          </p:spTgt>
+                                        </p:tgtEl>
+                                      </p:cBhvr>
+                                    </p:animEffect>
+                                  </p:childTnLst>
+                                </p:cTn>
+                              </p:par>
+                            </p:childTnLst>
+                          </p:cTn>
+                        </p:par>
+                      </p:childTnLst>
+                    </p:cTn>
+                  </p:par>
+                </p:childTnLst>
+              </p:cTn>
+              <p:prevCondLst>
+                <p:cond evt="onPrev" delay="0">
+                  <p:tgtEl>
+                    <p:sldTgt/>
+                  </p:tgtEl>
+                </p:cond>
+              </p:prevCondLst>
+              <p:nextCondLst>
+                <p:cond evt="onNext" delay="0">
+                  <p:tgtEl>
+                    <p:sldTgt/>
+                  </p:tgtEl>
+                </p:cond>
+              </p:nextCondLst>
+            </p:seq>
+          </p:childTnLst>
+        </p:cTn>
+      </p:par>
+    </p:tnLst>
+  </p:timing>
 </p:sld>
 </file>
 
@@ -4763,6 +6086,7 @@
               <a:buNone/>
             </a:pPr>
             <a:r>
+              <a:rPr dirty="0"/>
               <a:t>A few specifications and definitions</a:t>
             </a:r>
           </a:p>
@@ -4780,9 +6104,16 @@
                 <p:ph idx="1"/>
               </p:nvPr>
             </p:nvSpPr>
-            <p:spPr/>
+            <p:spPr>
+              <a:xfrm>
+                <a:off x="1097280" y="1845733"/>
+                <a:ext cx="4872447" cy="4242407"/>
+              </a:xfrm>
+            </p:spPr>
             <p:txBody>
-              <a:bodyPr/>
+              <a:bodyPr>
+                <a:normAutofit fontScale="92500"/>
+              </a:bodyPr>
               <a:lstStyle/>
               <a:p>
                 <a:pPr marL="0" lvl="0" indent="0">
@@ -4792,6 +6123,13 @@
                   <a:rPr dirty="0"/>
                   <a:t>Linear regression model:</a:t>
                 </a:r>
+                <a:endParaRPr lang="en-US" dirty="0"/>
+              </a:p>
+              <a:p>
+                <a:pPr marL="0" lvl="0" indent="0">
+                  <a:buNone/>
+                </a:pPr>
+                <a:endParaRPr sz="100" dirty="0"/>
               </a:p>
               <a:p>
                 <a:pPr marL="0" lvl="0" indent="0">
@@ -5526,10 +6864,14 @@
               </p:nvPr>
             </p:nvSpPr>
             <p:spPr>
+              <a:xfrm>
+                <a:off x="1097280" y="1845733"/>
+                <a:ext cx="4872447" cy="4242407"/>
+              </a:xfrm>
               <a:blipFill>
-                <a:blip r:embed="rId2"/>
+                <a:blip r:embed="rId3"/>
                 <a:stretch>
-                  <a:fillRect l="-1515" t="-1515"/>
+                  <a:fillRect l="-3004" t="-1437" r="-1627"/>
                 </a:stretch>
               </a:blipFill>
             </p:spPr>
@@ -5548,6 +6890,207 @@
           </p:sp>
         </mc:Fallback>
       </mc:AlternateContent>
+      <p:pic>
+        <p:nvPicPr>
+          <p:cNvPr id="4" name="Picture 2" descr="An Introduction to Linear Regression Analysis - YouTube">
+            <a:extLst>
+              <a:ext uri="{FF2B5EF4-FFF2-40B4-BE49-F238E27FC236}">
+                <a16:creationId xmlns:a16="http://schemas.microsoft.com/office/drawing/2014/main" id="{2BEAB659-306F-448C-ACA6-8599B2F836DB}"/>
+              </a:ext>
+            </a:extLst>
+          </p:cNvPr>
+          <p:cNvPicPr>
+            <a:picLocks noChangeAspect="1" noChangeArrowheads="1"/>
+          </p:cNvPicPr>
+          <p:nvPr/>
+        </p:nvPicPr>
+        <p:blipFill rotWithShape="1">
+          <a:blip r:embed="rId4">
+            <a:extLst>
+              <a:ext uri="{28A0092B-C50C-407E-A947-70E740481C1C}">
+                <a14:useLocalDpi xmlns:a14="http://schemas.microsoft.com/office/drawing/2010/main" val="0"/>
+              </a:ext>
+            </a:extLst>
+          </a:blip>
+          <a:srcRect l="9000" t="2461" r="27475" b="7573"/>
+          <a:stretch/>
+        </p:blipFill>
+        <p:spPr bwMode="auto">
+          <a:xfrm>
+            <a:off x="6222274" y="1919099"/>
+            <a:ext cx="5325291" cy="4242408"/>
+          </a:xfrm>
+          <a:prstGeom prst="rect">
+            <a:avLst/>
+          </a:prstGeom>
+          <a:noFill/>
+          <a:extLst>
+            <a:ext uri="{909E8E84-426E-40DD-AFC4-6F175D3DCCD1}">
+              <a14:hiddenFill xmlns:a14="http://schemas.microsoft.com/office/drawing/2010/main">
+                <a:solidFill>
+                  <a:srgbClr val="FFFFFF"/>
+                </a:solidFill>
+              </a14:hiddenFill>
+            </a:ext>
+          </a:extLst>
+        </p:spPr>
+      </p:pic>
+      <p:cxnSp>
+        <p:nvCxnSpPr>
+          <p:cNvPr id="8" name="Connector: Curved 7">
+            <a:extLst>
+              <a:ext uri="{FF2B5EF4-FFF2-40B4-BE49-F238E27FC236}">
+                <a16:creationId xmlns:a16="http://schemas.microsoft.com/office/drawing/2014/main" id="{5A8E2446-BF31-42FD-B91C-A4AC3607428E}"/>
+              </a:ext>
+            </a:extLst>
+          </p:cNvPr>
+          <p:cNvCxnSpPr/>
+          <p:nvPr/>
+        </p:nvCxnSpPr>
+        <p:spPr>
+          <a:xfrm rot="5400000">
+            <a:off x="9673684" y="2782229"/>
+            <a:ext cx="557561" cy="479503"/>
+          </a:xfrm>
+          <a:prstGeom prst="curvedConnector3">
+            <a:avLst/>
+          </a:prstGeom>
+          <a:ln w="38100">
+            <a:solidFill>
+              <a:schemeClr val="tx1"/>
+            </a:solidFill>
+            <a:tailEnd type="triangle"/>
+          </a:ln>
+        </p:spPr>
+        <p:style>
+          <a:lnRef idx="1">
+            <a:schemeClr val="accent1"/>
+          </a:lnRef>
+          <a:fillRef idx="0">
+            <a:schemeClr val="accent1"/>
+          </a:fillRef>
+          <a:effectRef idx="0">
+            <a:schemeClr val="accent1"/>
+          </a:effectRef>
+          <a:fontRef idx="minor">
+            <a:schemeClr val="tx1"/>
+          </a:fontRef>
+        </p:style>
+      </p:cxnSp>
+      <p:sp>
+        <p:nvSpPr>
+          <p:cNvPr id="9" name="TextBox 8">
+            <a:extLst>
+              <a:ext uri="{FF2B5EF4-FFF2-40B4-BE49-F238E27FC236}">
+                <a16:creationId xmlns:a16="http://schemas.microsoft.com/office/drawing/2014/main" id="{B0B19382-6FF4-4D42-B2F4-7480D4EF46F0}"/>
+              </a:ext>
+            </a:extLst>
+          </p:cNvPr>
+          <p:cNvSpPr txBox="1"/>
+          <p:nvPr/>
+        </p:nvSpPr>
+        <p:spPr>
+          <a:xfrm>
+            <a:off x="10090740" y="2373868"/>
+            <a:ext cx="1589526" cy="369332"/>
+          </a:xfrm>
+          <a:prstGeom prst="rect">
+            <a:avLst/>
+          </a:prstGeom>
+          <a:noFill/>
+        </p:spPr>
+        <p:txBody>
+          <a:bodyPr wrap="square" rtlCol="0">
+            <a:spAutoFit/>
+          </a:bodyPr>
+          <a:lstStyle/>
+          <a:p>
+            <a:r>
+              <a:rPr lang="en-US" dirty="0"/>
+              <a:t>Fitted value</a:t>
+            </a:r>
+          </a:p>
+        </p:txBody>
+      </p:sp>
+      <p:sp>
+        <p:nvSpPr>
+          <p:cNvPr id="10" name="Right Brace 9">
+            <a:extLst>
+              <a:ext uri="{FF2B5EF4-FFF2-40B4-BE49-F238E27FC236}">
+                <a16:creationId xmlns:a16="http://schemas.microsoft.com/office/drawing/2014/main" id="{17E13AB0-A08D-4F74-80D4-C67A7957CA2F}"/>
+              </a:ext>
+            </a:extLst>
+          </p:cNvPr>
+          <p:cNvSpPr/>
+          <p:nvPr/>
+        </p:nvSpPr>
+        <p:spPr>
+          <a:xfrm>
+            <a:off x="9756204" y="3356516"/>
+            <a:ext cx="669072" cy="1271239"/>
+          </a:xfrm>
+          <a:prstGeom prst="rightBrace">
+            <a:avLst/>
+          </a:prstGeom>
+        </p:spPr>
+        <p:style>
+          <a:lnRef idx="1">
+            <a:schemeClr val="accent1"/>
+          </a:lnRef>
+          <a:fillRef idx="0">
+            <a:schemeClr val="accent1"/>
+          </a:fillRef>
+          <a:effectRef idx="0">
+            <a:schemeClr val="accent1"/>
+          </a:effectRef>
+          <a:fontRef idx="minor">
+            <a:schemeClr val="tx1"/>
+          </a:fontRef>
+        </p:style>
+        <p:txBody>
+          <a:bodyPr rtlCol="0" anchor="ctr"/>
+          <a:lstStyle/>
+          <a:p>
+            <a:pPr algn="ctr"/>
+            <a:endParaRPr lang="en-US"/>
+          </a:p>
+        </p:txBody>
+      </p:sp>
+      <p:sp>
+        <p:nvSpPr>
+          <p:cNvPr id="11" name="TextBox 10">
+            <a:extLst>
+              <a:ext uri="{FF2B5EF4-FFF2-40B4-BE49-F238E27FC236}">
+                <a16:creationId xmlns:a16="http://schemas.microsoft.com/office/drawing/2014/main" id="{DC953617-7492-40E0-A8D7-53A5F08CB7CE}"/>
+              </a:ext>
+            </a:extLst>
+          </p:cNvPr>
+          <p:cNvSpPr txBox="1"/>
+          <p:nvPr/>
+        </p:nvSpPr>
+        <p:spPr>
+          <a:xfrm>
+            <a:off x="10437649" y="3807469"/>
+            <a:ext cx="1589526" cy="369332"/>
+          </a:xfrm>
+          <a:prstGeom prst="rect">
+            <a:avLst/>
+          </a:prstGeom>
+          <a:noFill/>
+        </p:spPr>
+        <p:txBody>
+          <a:bodyPr wrap="square" rtlCol="0">
+            <a:spAutoFit/>
+          </a:bodyPr>
+          <a:lstStyle/>
+          <a:p>
+            <a:r>
+              <a:rPr lang="en-US" dirty="0"/>
+              <a:t>Residual</a:t>
+            </a:r>
+          </a:p>
+        </p:txBody>
+      </p:sp>
     </p:spTree>
   </p:cSld>
   <p:clrMapOvr>
@@ -5557,7 +7100,7 @@
 </file>
 
 <file path=ppt/slides/slide5.xml><?xml version="1.0" encoding="utf-8"?>
-<p:sld xmlns:a="http://schemas.openxmlformats.org/drawingml/2006/main" xmlns:r="http://schemas.openxmlformats.org/officeDocument/2006/relationships" xmlns:p="http://schemas.openxmlformats.org/presentationml/2006/main">
+<p:sld xmlns:a="http://schemas.openxmlformats.org/drawingml/2006/main" xmlns:r="http://schemas.openxmlformats.org/officeDocument/2006/relationships" xmlns:p="http://schemas.openxmlformats.org/presentationml/2006/main" show="0">
   <p:cSld>
     <p:spTree>
       <p:nvGrpSpPr>
@@ -5597,8 +7140,8 @@
           </a:p>
         </p:txBody>
       </p:sp>
-      <mc:AlternateContent xmlns:mc="http://schemas.openxmlformats.org/markup-compatibility/2006">
-        <mc:Choice xmlns:a14="http://schemas.microsoft.com/office/drawing/2010/main" Requires="a14">
+      <mc:AlternateContent xmlns:mc="http://schemas.openxmlformats.org/markup-compatibility/2006" xmlns:a14="http://schemas.microsoft.com/office/drawing/2010/main">
+        <mc:Choice Requires="a14">
           <p:sp>
             <p:nvSpPr>
               <p:cNvPr id="3" name="Content Placeholder 2"/>
@@ -6319,7 +7862,7 @@
             </p:txBody>
           </p:sp>
         </mc:Choice>
-        <mc:Fallback>
+        <mc:Fallback xmlns="">
           <p:sp>
             <p:nvSpPr>
               <p:cNvPr id="3" name="Content Placeholder 2"/>
@@ -6336,7 +7879,7 @@
                 <a:ext cx="5111931" cy="4023360"/>
               </a:xfrm>
               <a:blipFill>
-                <a:blip r:embed="rId2"/>
+                <a:blip r:embed="rId3"/>
                 <a:stretch>
                   <a:fillRect l="-2503" t="-1818"/>
                 </a:stretch>
@@ -6372,7 +7915,7 @@
           <p:nvPr/>
         </p:nvPicPr>
         <p:blipFill>
-          <a:blip r:embed="rId3"/>
+          <a:blip r:embed="rId4"/>
           <a:stretch>
             <a:fillRect/>
           </a:stretch>
@@ -6442,8 +7985,8 @@
           </a:p>
         </p:txBody>
       </p:sp>
-      <mc:AlternateContent xmlns:mc="http://schemas.openxmlformats.org/markup-compatibility/2006">
-        <mc:Choice xmlns:a14="http://schemas.microsoft.com/office/drawing/2010/main" Requires="a14">
+      <mc:AlternateContent xmlns:mc="http://schemas.openxmlformats.org/markup-compatibility/2006" xmlns:a14="http://schemas.microsoft.com/office/drawing/2010/main">
+        <mc:Choice Requires="a14">
           <p:sp>
             <p:nvSpPr>
               <p:cNvPr id="3" name="Content Placeholder 2"/>
@@ -6592,7 +8135,7 @@
             </p:txBody>
           </p:sp>
         </mc:Choice>
-        <mc:Fallback>
+        <mc:Fallback xmlns="">
           <p:sp>
             <p:nvSpPr>
               <p:cNvPr id="3" name="Content Placeholder 2"/>
@@ -6605,7 +8148,7 @@
             </p:nvSpPr>
             <p:spPr>
               <a:blipFill>
-                <a:blip r:embed="rId2"/>
+                <a:blip r:embed="rId3"/>
                 <a:stretch>
                   <a:fillRect l="-1515" t="-1515"/>
                 </a:stretch>
@@ -6626,11 +8169,135 @@
           </p:sp>
         </mc:Fallback>
       </mc:AlternateContent>
+      <p:cxnSp>
+        <p:nvCxnSpPr>
+          <p:cNvPr id="5" name="Straight Connector 4">
+            <a:extLst>
+              <a:ext uri="{FF2B5EF4-FFF2-40B4-BE49-F238E27FC236}">
+                <a16:creationId xmlns:a16="http://schemas.microsoft.com/office/drawing/2014/main" id="{C30A8EA1-F320-4A54-8A3F-294DCFFE24C8}"/>
+              </a:ext>
+            </a:extLst>
+          </p:cNvPr>
+          <p:cNvCxnSpPr/>
+          <p:nvPr/>
+        </p:nvCxnSpPr>
+        <p:spPr>
+          <a:xfrm>
+            <a:off x="2720898" y="3925229"/>
+            <a:ext cx="2286000" cy="0"/>
+          </a:xfrm>
+          <a:prstGeom prst="line">
+            <a:avLst/>
+          </a:prstGeom>
+          <a:ln w="28575">
+            <a:solidFill>
+              <a:srgbClr val="FF0000"/>
+            </a:solidFill>
+          </a:ln>
+        </p:spPr>
+        <p:style>
+          <a:lnRef idx="1">
+            <a:schemeClr val="accent1"/>
+          </a:lnRef>
+          <a:fillRef idx="0">
+            <a:schemeClr val="accent1"/>
+          </a:fillRef>
+          <a:effectRef idx="0">
+            <a:schemeClr val="accent1"/>
+          </a:effectRef>
+          <a:fontRef idx="minor">
+            <a:schemeClr val="tx1"/>
+          </a:fontRef>
+        </p:style>
+      </p:cxnSp>
     </p:spTree>
   </p:cSld>
   <p:clrMapOvr>
     <a:masterClrMapping/>
   </p:clrMapOvr>
+  <p:timing>
+    <p:tnLst>
+      <p:par>
+        <p:cTn id="1" dur="indefinite" restart="never" nodeType="tmRoot">
+          <p:childTnLst>
+            <p:seq concurrent="1" nextAc="seek">
+              <p:cTn id="2" dur="indefinite" nodeType="mainSeq">
+                <p:childTnLst>
+                  <p:par>
+                    <p:cTn id="3" fill="hold">
+                      <p:stCondLst>
+                        <p:cond delay="indefinite"/>
+                      </p:stCondLst>
+                      <p:childTnLst>
+                        <p:par>
+                          <p:cTn id="4" fill="hold">
+                            <p:stCondLst>
+                              <p:cond delay="0"/>
+                            </p:stCondLst>
+                            <p:childTnLst>
+                              <p:par>
+                                <p:cTn id="5" presetID="10" presetClass="entr" presetSubtype="0" fill="hold" nodeType="clickEffect">
+                                  <p:stCondLst>
+                                    <p:cond delay="0"/>
+                                  </p:stCondLst>
+                                  <p:childTnLst>
+                                    <p:set>
+                                      <p:cBhvr>
+                                        <p:cTn id="6" dur="1" fill="hold">
+                                          <p:stCondLst>
+                                            <p:cond delay="0"/>
+                                          </p:stCondLst>
+                                        </p:cTn>
+                                        <p:tgtEl>
+                                          <p:spTgt spid="5"/>
+                                        </p:tgtEl>
+                                        <p:attrNameLst>
+                                          <p:attrName>style.visibility</p:attrName>
+                                        </p:attrNameLst>
+                                      </p:cBhvr>
+                                      <p:to>
+                                        <p:strVal val="visible"/>
+                                      </p:to>
+                                    </p:set>
+                                    <p:animEffect transition="in" filter="fade">
+                                      <p:cBhvr>
+                                        <p:cTn id="7" dur="500"/>
+                                        <p:tgtEl>
+                                          <p:spTgt spid="5"/>
+                                        </p:tgtEl>
+                                      </p:cBhvr>
+                                    </p:animEffect>
+                                  </p:childTnLst>
+                                </p:cTn>
+                              </p:par>
+                            </p:childTnLst>
+                          </p:cTn>
+                        </p:par>
+                      </p:childTnLst>
+                    </p:cTn>
+                  </p:par>
+                </p:childTnLst>
+              </p:cTn>
+              <p:prevCondLst>
+                <p:cond evt="onPrev" delay="0">
+                  <p:tgtEl>
+                    <p:sldTgt/>
+                  </p:tgtEl>
+                </p:cond>
+              </p:prevCondLst>
+              <p:nextCondLst>
+                <p:cond evt="onNext" delay="0">
+                  <p:tgtEl>
+                    <p:sldTgt/>
+                  </p:tgtEl>
+                </p:cond>
+              </p:nextCondLst>
+            </p:seq>
+          </p:childTnLst>
+        </p:cTn>
+      </p:par>
+    </p:tnLst>
+  </p:timing>
 </p:sld>
 </file>
 
@@ -6961,4 +8628,299 @@
     </a:ext>
   </a:extLst>
 </a:theme>
+</file>
+
+<file path=ppt/theme/theme2.xml><?xml version="1.0" encoding="utf-8"?>
+<a:theme xmlns:a="http://schemas.openxmlformats.org/drawingml/2006/main" name="Office Theme">
+  <a:themeElements>
+    <a:clrScheme name="Office">
+      <a:dk1>
+        <a:sysClr val="windowText" lastClr="000000"/>
+      </a:dk1>
+      <a:lt1>
+        <a:sysClr val="window" lastClr="FFFFFF"/>
+      </a:lt1>
+      <a:dk2>
+        <a:srgbClr val="44546A"/>
+      </a:dk2>
+      <a:lt2>
+        <a:srgbClr val="E7E6E6"/>
+      </a:lt2>
+      <a:accent1>
+        <a:srgbClr val="4472C4"/>
+      </a:accent1>
+      <a:accent2>
+        <a:srgbClr val="ED7D31"/>
+      </a:accent2>
+      <a:accent3>
+        <a:srgbClr val="A5A5A5"/>
+      </a:accent3>
+      <a:accent4>
+        <a:srgbClr val="FFC000"/>
+      </a:accent4>
+      <a:accent5>
+        <a:srgbClr val="5B9BD5"/>
+      </a:accent5>
+      <a:accent6>
+        <a:srgbClr val="70AD47"/>
+      </a:accent6>
+      <a:hlink>
+        <a:srgbClr val="0563C1"/>
+      </a:hlink>
+      <a:folHlink>
+        <a:srgbClr val="954F72"/>
+      </a:folHlink>
+    </a:clrScheme>
+    <a:fontScheme name="Office">
+      <a:majorFont>
+        <a:latin typeface="Calibri Light" panose="020F0302020204030204"/>
+        <a:ea typeface=""/>
+        <a:cs typeface=""/>
+        <a:font script="Jpan" typeface="游ゴシック Light"/>
+        <a:font script="Hang" typeface="맑은 고딕"/>
+        <a:font script="Hans" typeface="等线 Light"/>
+        <a:font script="Hant" typeface="新細明體"/>
+        <a:font script="Arab" typeface="Times New Roman"/>
+        <a:font script="Hebr" typeface="Times New Roman"/>
+        <a:font script="Thai" typeface="Angsana New"/>
+        <a:font script="Ethi" typeface="Nyala"/>
+        <a:font script="Beng" typeface="Vrinda"/>
+        <a:font script="Gujr" typeface="Shruti"/>
+        <a:font script="Khmr" typeface="MoolBoran"/>
+        <a:font script="Knda" typeface="Tunga"/>
+        <a:font script="Guru" typeface="Raavi"/>
+        <a:font script="Cans" typeface="Euphemia"/>
+        <a:font script="Cher" typeface="Plantagenet Cherokee"/>
+        <a:font script="Yiii" typeface="Microsoft Yi Baiti"/>
+        <a:font script="Tibt" typeface="Microsoft Himalaya"/>
+        <a:font script="Thaa" typeface="MV Boli"/>
+        <a:font script="Deva" typeface="Mangal"/>
+        <a:font script="Telu" typeface="Gautami"/>
+        <a:font script="Taml" typeface="Latha"/>
+        <a:font script="Syrc" typeface="Estrangelo Edessa"/>
+        <a:font script="Orya" typeface="Kalinga"/>
+        <a:font script="Mlym" typeface="Kartika"/>
+        <a:font script="Laoo" typeface="DokChampa"/>
+        <a:font script="Sinh" typeface="Iskoola Pota"/>
+        <a:font script="Mong" typeface="Mongolian Baiti"/>
+        <a:font script="Viet" typeface="Times New Roman"/>
+        <a:font script="Uigh" typeface="Microsoft Uighur"/>
+        <a:font script="Geor" typeface="Sylfaen"/>
+        <a:font script="Armn" typeface="Arial"/>
+        <a:font script="Bugi" typeface="Leelawadee UI"/>
+        <a:font script="Bopo" typeface="Microsoft JhengHei"/>
+        <a:font script="Java" typeface="Javanese Text"/>
+        <a:font script="Lisu" typeface="Segoe UI"/>
+        <a:font script="Mymr" typeface="Myanmar Text"/>
+        <a:font script="Nkoo" typeface="Ebrima"/>
+        <a:font script="Olck" typeface="Nirmala UI"/>
+        <a:font script="Osma" typeface="Ebrima"/>
+        <a:font script="Phag" typeface="Phagspa"/>
+        <a:font script="Syrn" typeface="Estrangelo Edessa"/>
+        <a:font script="Syrj" typeface="Estrangelo Edessa"/>
+        <a:font script="Syre" typeface="Estrangelo Edessa"/>
+        <a:font script="Sora" typeface="Nirmala UI"/>
+        <a:font script="Tale" typeface="Microsoft Tai Le"/>
+        <a:font script="Talu" typeface="Microsoft New Tai Lue"/>
+        <a:font script="Tfng" typeface="Ebrima"/>
+      </a:majorFont>
+      <a:minorFont>
+        <a:latin typeface="Calibri" panose="020F0502020204030204"/>
+        <a:ea typeface=""/>
+        <a:cs typeface=""/>
+        <a:font script="Jpan" typeface="游ゴシック"/>
+        <a:font script="Hang" typeface="맑은 고딕"/>
+        <a:font script="Hans" typeface="等线"/>
+        <a:font script="Hant" typeface="新細明體"/>
+        <a:font script="Arab" typeface="Arial"/>
+        <a:font script="Hebr" typeface="Arial"/>
+        <a:font script="Thai" typeface="Cordia New"/>
+        <a:font script="Ethi" typeface="Nyala"/>
+        <a:font script="Beng" typeface="Vrinda"/>
+        <a:font script="Gujr" typeface="Shruti"/>
+        <a:font script="Khmr" typeface="DaunPenh"/>
+        <a:font script="Knda" typeface="Tunga"/>
+        <a:font script="Guru" typeface="Raavi"/>
+        <a:font script="Cans" typeface="Euphemia"/>
+        <a:font script="Cher" typeface="Plantagenet Cherokee"/>
+        <a:font script="Yiii" typeface="Microsoft Yi Baiti"/>
+        <a:font script="Tibt" typeface="Microsoft Himalaya"/>
+        <a:font script="Thaa" typeface="MV Boli"/>
+        <a:font script="Deva" typeface="Mangal"/>
+        <a:font script="Telu" typeface="Gautami"/>
+        <a:font script="Taml" typeface="Latha"/>
+        <a:font script="Syrc" typeface="Estrangelo Edessa"/>
+        <a:font script="Orya" typeface="Kalinga"/>
+        <a:font script="Mlym" typeface="Kartika"/>
+        <a:font script="Laoo" typeface="DokChampa"/>
+        <a:font script="Sinh" typeface="Iskoola Pota"/>
+        <a:font script="Mong" typeface="Mongolian Baiti"/>
+        <a:font script="Viet" typeface="Arial"/>
+        <a:font script="Uigh" typeface="Microsoft Uighur"/>
+        <a:font script="Geor" typeface="Sylfaen"/>
+        <a:font script="Armn" typeface="Arial"/>
+        <a:font script="Bugi" typeface="Leelawadee UI"/>
+        <a:font script="Bopo" typeface="Microsoft JhengHei"/>
+        <a:font script="Java" typeface="Javanese Text"/>
+        <a:font script="Lisu" typeface="Segoe UI"/>
+        <a:font script="Mymr" typeface="Myanmar Text"/>
+        <a:font script="Nkoo" typeface="Ebrima"/>
+        <a:font script="Olck" typeface="Nirmala UI"/>
+        <a:font script="Osma" typeface="Ebrima"/>
+        <a:font script="Phag" typeface="Phagspa"/>
+        <a:font script="Syrn" typeface="Estrangelo Edessa"/>
+        <a:font script="Syrj" typeface="Estrangelo Edessa"/>
+        <a:font script="Syre" typeface="Estrangelo Edessa"/>
+        <a:font script="Sora" typeface="Nirmala UI"/>
+        <a:font script="Tale" typeface="Microsoft Tai Le"/>
+        <a:font script="Talu" typeface="Microsoft New Tai Lue"/>
+        <a:font script="Tfng" typeface="Ebrima"/>
+      </a:minorFont>
+    </a:fontScheme>
+    <a:fmtScheme name="Office">
+      <a:fillStyleLst>
+        <a:solidFill>
+          <a:schemeClr val="phClr"/>
+        </a:solidFill>
+        <a:gradFill rotWithShape="1">
+          <a:gsLst>
+            <a:gs pos="0">
+              <a:schemeClr val="phClr">
+                <a:lumMod val="110000"/>
+                <a:satMod val="105000"/>
+                <a:tint val="67000"/>
+              </a:schemeClr>
+            </a:gs>
+            <a:gs pos="50000">
+              <a:schemeClr val="phClr">
+                <a:lumMod val="105000"/>
+                <a:satMod val="103000"/>
+                <a:tint val="73000"/>
+              </a:schemeClr>
+            </a:gs>
+            <a:gs pos="100000">
+              <a:schemeClr val="phClr">
+                <a:lumMod val="105000"/>
+                <a:satMod val="109000"/>
+                <a:tint val="81000"/>
+              </a:schemeClr>
+            </a:gs>
+          </a:gsLst>
+          <a:lin ang="5400000" scaled="0"/>
+        </a:gradFill>
+        <a:gradFill rotWithShape="1">
+          <a:gsLst>
+            <a:gs pos="0">
+              <a:schemeClr val="phClr">
+                <a:satMod val="103000"/>
+                <a:lumMod val="102000"/>
+                <a:tint val="94000"/>
+              </a:schemeClr>
+            </a:gs>
+            <a:gs pos="50000">
+              <a:schemeClr val="phClr">
+                <a:satMod val="110000"/>
+                <a:lumMod val="100000"/>
+                <a:shade val="100000"/>
+              </a:schemeClr>
+            </a:gs>
+            <a:gs pos="100000">
+              <a:schemeClr val="phClr">
+                <a:lumMod val="99000"/>
+                <a:satMod val="120000"/>
+                <a:shade val="78000"/>
+              </a:schemeClr>
+            </a:gs>
+          </a:gsLst>
+          <a:lin ang="5400000" scaled="0"/>
+        </a:gradFill>
+      </a:fillStyleLst>
+      <a:lnStyleLst>
+        <a:ln w="6350" cap="flat" cmpd="sng" algn="ctr">
+          <a:solidFill>
+            <a:schemeClr val="phClr"/>
+          </a:solidFill>
+          <a:prstDash val="solid"/>
+          <a:miter lim="800000"/>
+        </a:ln>
+        <a:ln w="12700" cap="flat" cmpd="sng" algn="ctr">
+          <a:solidFill>
+            <a:schemeClr val="phClr"/>
+          </a:solidFill>
+          <a:prstDash val="solid"/>
+          <a:miter lim="800000"/>
+        </a:ln>
+        <a:ln w="19050" cap="flat" cmpd="sng" algn="ctr">
+          <a:solidFill>
+            <a:schemeClr val="phClr"/>
+          </a:solidFill>
+          <a:prstDash val="solid"/>
+          <a:miter lim="800000"/>
+        </a:ln>
+      </a:lnStyleLst>
+      <a:effectStyleLst>
+        <a:effectStyle>
+          <a:effectLst/>
+        </a:effectStyle>
+        <a:effectStyle>
+          <a:effectLst/>
+        </a:effectStyle>
+        <a:effectStyle>
+          <a:effectLst>
+            <a:outerShdw blurRad="57150" dist="19050" dir="5400000" algn="ctr" rotWithShape="0">
+              <a:srgbClr val="000000">
+                <a:alpha val="63000"/>
+              </a:srgbClr>
+            </a:outerShdw>
+          </a:effectLst>
+        </a:effectStyle>
+      </a:effectStyleLst>
+      <a:bgFillStyleLst>
+        <a:solidFill>
+          <a:schemeClr val="phClr"/>
+        </a:solidFill>
+        <a:solidFill>
+          <a:schemeClr val="phClr">
+            <a:tint val="95000"/>
+            <a:satMod val="170000"/>
+          </a:schemeClr>
+        </a:solidFill>
+        <a:gradFill rotWithShape="1">
+          <a:gsLst>
+            <a:gs pos="0">
+              <a:schemeClr val="phClr">
+                <a:tint val="93000"/>
+                <a:satMod val="150000"/>
+                <a:shade val="98000"/>
+                <a:lumMod val="102000"/>
+              </a:schemeClr>
+            </a:gs>
+            <a:gs pos="50000">
+              <a:schemeClr val="phClr">
+                <a:tint val="98000"/>
+                <a:satMod val="130000"/>
+                <a:shade val="90000"/>
+                <a:lumMod val="103000"/>
+              </a:schemeClr>
+            </a:gs>
+            <a:gs pos="100000">
+              <a:schemeClr val="phClr">
+                <a:shade val="63000"/>
+                <a:satMod val="120000"/>
+              </a:schemeClr>
+            </a:gs>
+          </a:gsLst>
+          <a:lin ang="5400000" scaled="0"/>
+        </a:gradFill>
+      </a:bgFillStyleLst>
+    </a:fmtScheme>
+  </a:themeElements>
+  <a:objectDefaults/>
+  <a:extraClrSchemeLst/>
+  <a:extLst>
+    <a:ext uri="{05A4C25C-085E-4340-85A3-A5531E510DB2}">
+      <thm15:themeFamily xmlns:thm15="http://schemas.microsoft.com/office/thememl/2012/main" name="Office Theme" id="{62F939B6-93AF-4DB8-9C6B-D6C7DFDC589F}" vid="{4A3C46E8-61CC-4603-A589-7422A47A8E4A}"/>
+    </a:ext>
+  </a:extLst>
+</a:theme>
 </file>